--- a/presentations/pi_18_april_2022/presentations/ppt/Day #4 Roadmap and Planning.pptx
+++ b/presentations/pi_18_april_2022/presentations/ppt/Day #4 Roadmap and Planning.pptx
@@ -5,7 +5,7 @@
     <p:sldMasterId id="2147483660" r:id="rId4"/>
   </p:sldMasterIdLst>
   <p:notesMasterIdLst>
-    <p:notesMasterId r:id="rId12"/>
+    <p:notesMasterId r:id="rId13"/>
   </p:notesMasterIdLst>
   <p:sldIdLst>
     <p:sldId id="258" r:id="rId5"/>
@@ -14,7 +14,8 @@
     <p:sldId id="516" r:id="rId8"/>
     <p:sldId id="517" r:id="rId9"/>
     <p:sldId id="518" r:id="rId10"/>
-    <p:sldId id="357" r:id="rId11"/>
+    <p:sldId id="519" r:id="rId11"/>
+    <p:sldId id="357" r:id="rId12"/>
   </p:sldIdLst>
   <p:sldSz cx="24387175" cy="13716000"/>
   <p:notesSz cx="6858000" cy="9144000"/>
@@ -12410,10 +12411,10 @@
       </p:sp>
       <p:pic>
         <p:nvPicPr>
-          <p:cNvPr id="5" name="Picture 4">
+          <p:cNvPr id="6" name="Picture 5">
             <a:extLst>
               <a:ext uri="{FF2B5EF4-FFF2-40B4-BE49-F238E27FC236}">
-                <a16:creationId xmlns:a16="http://schemas.microsoft.com/office/drawing/2014/main" id="{F8DD3D9A-0929-454E-A848-EECD8B8BA1F5}"/>
+                <a16:creationId xmlns:a16="http://schemas.microsoft.com/office/drawing/2014/main" id="{2DB460CB-478A-4379-92BA-245A2151F5E6}"/>
               </a:ext>
             </a:extLst>
           </p:cNvPr>
@@ -12430,8 +12431,8 @@
         </p:blipFill>
         <p:spPr>
           <a:xfrm>
-            <a:off x="1559627" y="3643642"/>
-            <a:ext cx="19430718" cy="8948095"/>
+            <a:off x="1676619" y="3651250"/>
+            <a:ext cx="19234660" cy="8857808"/>
           </a:xfrm>
           <a:prstGeom prst="rect">
             <a:avLst/>
@@ -12892,6 +12893,227 @@
           <p:cNvPr id="2" name="Title 1">
             <a:extLst>
               <a:ext uri="{FF2B5EF4-FFF2-40B4-BE49-F238E27FC236}">
+                <a16:creationId xmlns:a16="http://schemas.microsoft.com/office/drawing/2014/main" id="{3D8CB7C9-5E13-4E72-B803-6D7AEF68C03C}"/>
+              </a:ext>
+            </a:extLst>
+          </p:cNvPr>
+          <p:cNvSpPr>
+            <a:spLocks noGrp="1"/>
+          </p:cNvSpPr>
+          <p:nvPr>
+            <p:ph type="title"/>
+          </p:nvPr>
+        </p:nvSpPr>
+        <p:spPr/>
+        <p:txBody>
+          <a:bodyPr/>
+          <a:lstStyle/>
+          <a:p>
+            <a:r>
+              <a:rPr lang="en-US" dirty="0"/>
+              <a:t>Voting Results</a:t>
+            </a:r>
+          </a:p>
+        </p:txBody>
+      </p:sp>
+      <p:sp>
+        <p:nvSpPr>
+          <p:cNvPr id="3" name="Content Placeholder 2">
+            <a:extLst>
+              <a:ext uri="{FF2B5EF4-FFF2-40B4-BE49-F238E27FC236}">
+                <a16:creationId xmlns:a16="http://schemas.microsoft.com/office/drawing/2014/main" id="{ECDD15E7-CA9B-4339-AA09-436027270F94}"/>
+              </a:ext>
+            </a:extLst>
+          </p:cNvPr>
+          <p:cNvSpPr>
+            <a:spLocks noGrp="1"/>
+          </p:cNvSpPr>
+          <p:nvPr>
+            <p:ph sz="half" idx="1"/>
+          </p:nvPr>
+        </p:nvSpPr>
+        <p:spPr/>
+        <p:txBody>
+          <a:bodyPr/>
+          <a:lstStyle/>
+          <a:p>
+            <a:endParaRPr lang="en-US"/>
+          </a:p>
+        </p:txBody>
+      </p:sp>
+      <p:sp>
+        <p:nvSpPr>
+          <p:cNvPr id="4" name="Content Placeholder 3">
+            <a:extLst>
+              <a:ext uri="{FF2B5EF4-FFF2-40B4-BE49-F238E27FC236}">
+                <a16:creationId xmlns:a16="http://schemas.microsoft.com/office/drawing/2014/main" id="{C8457BEE-B89C-4AEA-88D0-57CA33ED5EB3}"/>
+              </a:ext>
+            </a:extLst>
+          </p:cNvPr>
+          <p:cNvSpPr>
+            <a:spLocks noGrp="1"/>
+          </p:cNvSpPr>
+          <p:nvPr>
+            <p:ph sz="half" idx="2"/>
+          </p:nvPr>
+        </p:nvSpPr>
+        <p:spPr/>
+        <p:txBody>
+          <a:bodyPr/>
+          <a:lstStyle/>
+          <a:p>
+            <a:r>
+              <a:rPr lang="en-US" dirty="0"/>
+              <a:t>Report Outs</a:t>
+            </a:r>
+          </a:p>
+          <a:p>
+            <a:pPr lvl="1"/>
+            <a:r>
+              <a:rPr lang="en-US" dirty="0"/>
+              <a:t>ISO 20022</a:t>
+            </a:r>
+          </a:p>
+          <a:p>
+            <a:pPr lvl="1"/>
+            <a:r>
+              <a:rPr lang="en-US" dirty="0"/>
+              <a:t>Bulk Payments </a:t>
+            </a:r>
+          </a:p>
+          <a:p>
+            <a:pPr lvl="1"/>
+            <a:r>
+              <a:rPr lang="en-US" dirty="0"/>
+              <a:t>Onboarding, Infra, Mojaloop-in-a-box</a:t>
+            </a:r>
+          </a:p>
+          <a:p>
+            <a:r>
+              <a:rPr lang="en-US" dirty="0"/>
+              <a:t>What Next</a:t>
+            </a:r>
+          </a:p>
+          <a:p>
+            <a:pPr lvl="1"/>
+            <a:r>
+              <a:rPr lang="en-US" dirty="0"/>
+              <a:t>Deeper PI-Planning next week</a:t>
+            </a:r>
+          </a:p>
+          <a:p>
+            <a:pPr lvl="1"/>
+            <a:r>
+              <a:rPr lang="en-US" dirty="0"/>
+              <a:t>Owners noted in wrap-up email </a:t>
+            </a:r>
+          </a:p>
+          <a:p>
+            <a:pPr lvl="1"/>
+            <a:r>
+              <a:rPr lang="en-US" dirty="0"/>
+              <a:t>Get involved in the workstreams!</a:t>
+            </a:r>
+          </a:p>
+          <a:p>
+            <a:endParaRPr lang="en-US" dirty="0"/>
+          </a:p>
+        </p:txBody>
+      </p:sp>
+      <p:sp>
+        <p:nvSpPr>
+          <p:cNvPr id="5" name="Slide Number Placeholder 4">
+            <a:extLst>
+              <a:ext uri="{FF2B5EF4-FFF2-40B4-BE49-F238E27FC236}">
+                <a16:creationId xmlns:a16="http://schemas.microsoft.com/office/drawing/2014/main" id="{CB83102B-2B68-4A95-ABDD-39E796012062}"/>
+              </a:ext>
+            </a:extLst>
+          </p:cNvPr>
+          <p:cNvSpPr>
+            <a:spLocks noGrp="1"/>
+          </p:cNvSpPr>
+          <p:nvPr>
+            <p:ph type="sldNum" sz="quarter" idx="12"/>
+          </p:nvPr>
+        </p:nvSpPr>
+        <p:spPr/>
+        <p:txBody>
+          <a:bodyPr/>
+          <a:lstStyle/>
+          <a:p>
+            <a:fld id="{20AF9D7A-5BEE-9245-944A-197F51D542D9}" type="slidenum">
+              <a:rPr lang="en-US" smtClean="0"/>
+              <a:t>7</a:t>
+            </a:fld>
+            <a:endParaRPr lang="en-US"/>
+          </a:p>
+        </p:txBody>
+      </p:sp>
+      <p:pic>
+        <p:nvPicPr>
+          <p:cNvPr id="7" name="Picture 6">
+            <a:extLst>
+              <a:ext uri="{FF2B5EF4-FFF2-40B4-BE49-F238E27FC236}">
+                <a16:creationId xmlns:a16="http://schemas.microsoft.com/office/drawing/2014/main" id="{5A182C37-3C86-49B7-8AFC-9E93C62E4169}"/>
+              </a:ext>
+            </a:extLst>
+          </p:cNvPr>
+          <p:cNvPicPr>
+            <a:picLocks noChangeAspect="1"/>
+          </p:cNvPicPr>
+          <p:nvPr/>
+        </p:nvPicPr>
+        <p:blipFill>
+          <a:blip r:embed="rId2"/>
+          <a:stretch>
+            <a:fillRect/>
+          </a:stretch>
+        </p:blipFill>
+        <p:spPr>
+          <a:xfrm>
+            <a:off x="1371777" y="2721309"/>
+            <a:ext cx="9700915" cy="10562558"/>
+          </a:xfrm>
+          <a:prstGeom prst="rect">
+            <a:avLst/>
+          </a:prstGeom>
+        </p:spPr>
+      </p:pic>
+    </p:spTree>
+    <p:extLst>
+      <p:ext uri="{BB962C8B-B14F-4D97-AF65-F5344CB8AC3E}">
+        <p14:creationId xmlns:p14="http://schemas.microsoft.com/office/powerpoint/2010/main" val="3533691114"/>
+      </p:ext>
+    </p:extLst>
+  </p:cSld>
+  <p:clrMapOvr>
+    <a:masterClrMapping/>
+  </p:clrMapOvr>
+</p:sld>
+</file>
+
+<file path=ppt/slides/slide8.xml><?xml version="1.0" encoding="utf-8"?>
+<p:sld xmlns:a="http://schemas.openxmlformats.org/drawingml/2006/main" xmlns:r="http://schemas.openxmlformats.org/officeDocument/2006/relationships" xmlns:p="http://schemas.openxmlformats.org/presentationml/2006/main">
+  <p:cSld>
+    <p:spTree>
+      <p:nvGrpSpPr>
+        <p:cNvPr id="1" name=""/>
+        <p:cNvGrpSpPr/>
+        <p:nvPr/>
+      </p:nvGrpSpPr>
+      <p:grpSpPr>
+        <a:xfrm>
+          <a:off x="0" y="0"/>
+          <a:ext cx="0" cy="0"/>
+          <a:chOff x="0" y="0"/>
+          <a:chExt cx="0" cy="0"/>
+        </a:xfrm>
+      </p:grpSpPr>
+      <p:sp>
+        <p:nvSpPr>
+          <p:cNvPr id="2" name="Title 1">
+            <a:extLst>
+              <a:ext uri="{FF2B5EF4-FFF2-40B4-BE49-F238E27FC236}">
                 <a16:creationId xmlns:a16="http://schemas.microsoft.com/office/drawing/2014/main" id="{E7B640E0-9BA0-4725-A6B7-BB7C66F80F01}"/>
               </a:ext>
             </a:extLst>
@@ -12972,7 +13194,7 @@
             <a:fld id="{20AF9D7A-5BEE-9245-944A-197F51D542D9}" type="slidenum">
               <a:rPr lang="en-US" smtClean="0"/>
               <a:pPr/>
-              <a:t>7</a:t>
+              <a:t>8</a:t>
             </a:fld>
             <a:endParaRPr lang="en-US" dirty="0"/>
           </a:p>
@@ -13662,21 +13884,6 @@
 </file>
 
 <file path=customXml/item1.xml><?xml version="1.0" encoding="utf-8"?>
-<?mso-contentType ?>
-<FormTemplates xmlns="http://schemas.microsoft.com/sharepoint/v3/contenttype/forms">
-  <Display>DocumentLibraryForm</Display>
-  <Edit>DocumentLibraryForm</Edit>
-  <New>DocumentLibraryForm</New>
-</FormTemplates>
-</file>
-
-<file path=customXml/item2.xml><?xml version="1.0" encoding="utf-8"?>
-<p:properties xmlns:p="http://schemas.microsoft.com/office/2006/metadata/properties" xmlns:xsi="http://www.w3.org/2001/XMLSchema-instance" xmlns:pc="http://schemas.microsoft.com/office/infopath/2007/PartnerControls">
-  <documentManagement/>
-</p:properties>
-</file>
-
-<file path=customXml/item3.xml><?xml version="1.0" encoding="utf-8"?>
 <ct:contentTypeSchema xmlns:ct="http://schemas.microsoft.com/office/2006/metadata/contentType" xmlns:ma="http://schemas.microsoft.com/office/2006/metadata/properties/metaAttributes" ct:_="" ma:_="" ma:contentTypeName="Document" ma:contentTypeID="0x01010028AAC203550B4E40A8ED4C6A11385C01" ma:contentTypeVersion="13" ma:contentTypeDescription="Create a new document." ma:contentTypeScope="" ma:versionID="1a8e0f591d3b1b40aba590a9e5f96a61">
   <xsd:schema xmlns:xsd="http://www.w3.org/2001/XMLSchema" xmlns:xs="http://www.w3.org/2001/XMLSchema" xmlns:p="http://schemas.microsoft.com/office/2006/metadata/properties" xmlns:ns2="af12d3ca-d309-4d9b-872e-f669d895b06e" xmlns:ns3="6354f033-77ec-451f-a4b1-89785309665d" targetNamespace="http://schemas.microsoft.com/office/2006/metadata/properties" ma:root="true" ma:fieldsID="fc14388904a9ca4fc1dcdc7ac7762609" ns2:_="" ns3:_="">
     <xsd:import namespace="af12d3ca-d309-4d9b-872e-f669d895b06e"/>
@@ -13899,10 +14106,36 @@
 </ct:contentTypeSchema>
 </file>
 
+<file path=customXml/item2.xml><?xml version="1.0" encoding="utf-8"?>
+<p:properties xmlns:p="http://schemas.microsoft.com/office/2006/metadata/properties" xmlns:xsi="http://www.w3.org/2001/XMLSchema-instance" xmlns:pc="http://schemas.microsoft.com/office/infopath/2007/PartnerControls">
+  <documentManagement/>
+</p:properties>
+</file>
+
+<file path=customXml/item3.xml><?xml version="1.0" encoding="utf-8"?>
+<?mso-contentType ?>
+<FormTemplates xmlns="http://schemas.microsoft.com/sharepoint/v3/contenttype/forms">
+  <Display>DocumentLibraryForm</Display>
+  <Edit>DocumentLibraryForm</Edit>
+  <New>DocumentLibraryForm</New>
+</FormTemplates>
+</file>
+
 <file path=customXml/itemProps1.xml><?xml version="1.0" encoding="utf-8"?>
-<ds:datastoreItem xmlns:ds="http://schemas.openxmlformats.org/officeDocument/2006/customXml" ds:itemID="{4E880100-AD93-4165-9435-CF4F80F1243C}">
+<ds:datastoreItem xmlns:ds="http://schemas.openxmlformats.org/officeDocument/2006/customXml" ds:itemID="{F477486D-5603-4835-9990-7EF1E294A9D6}">
   <ds:schemaRefs>
-    <ds:schemaRef ds:uri="http://schemas.microsoft.com/sharepoint/v3/contenttype/forms"/>
+    <ds:schemaRef ds:uri="http://schemas.microsoft.com/office/2006/metadata/contentType"/>
+    <ds:schemaRef ds:uri="http://schemas.microsoft.com/office/2006/metadata/properties/metaAttributes"/>
+    <ds:schemaRef ds:uri="http://www.w3.org/2001/XMLSchema"/>
+    <ds:schemaRef ds:uri="http://schemas.microsoft.com/office/2006/metadata/properties"/>
+    <ds:schemaRef ds:uri="af12d3ca-d309-4d9b-872e-f669d895b06e"/>
+    <ds:schemaRef ds:uri="6354f033-77ec-451f-a4b1-89785309665d"/>
+    <ds:schemaRef ds:uri="http://schemas.microsoft.com/office/2006/documentManagement/types"/>
+    <ds:schemaRef ds:uri="http://schemas.microsoft.com/office/infopath/2007/PartnerControls"/>
+    <ds:schemaRef ds:uri="http://schemas.openxmlformats.org/package/2006/metadata/core-properties"/>
+    <ds:schemaRef ds:uri="http://purl.org/dc/elements/1.1/"/>
+    <ds:schemaRef ds:uri="http://purl.org/dc/terms/"/>
+    <ds:schemaRef ds:uri="http://schemas.microsoft.com/internal/obd"/>
   </ds:schemaRefs>
 </ds:datastoreItem>
 </file>
@@ -13925,20 +14158,9 @@
 </file>
 
 <file path=customXml/itemProps3.xml><?xml version="1.0" encoding="utf-8"?>
-<ds:datastoreItem xmlns:ds="http://schemas.openxmlformats.org/officeDocument/2006/customXml" ds:itemID="{F477486D-5603-4835-9990-7EF1E294A9D6}">
+<ds:datastoreItem xmlns:ds="http://schemas.openxmlformats.org/officeDocument/2006/customXml" ds:itemID="{4E880100-AD93-4165-9435-CF4F80F1243C}">
   <ds:schemaRefs>
-    <ds:schemaRef ds:uri="http://schemas.microsoft.com/office/2006/metadata/contentType"/>
-    <ds:schemaRef ds:uri="http://schemas.microsoft.com/office/2006/metadata/properties/metaAttributes"/>
-    <ds:schemaRef ds:uri="http://www.w3.org/2001/XMLSchema"/>
-    <ds:schemaRef ds:uri="http://schemas.microsoft.com/office/2006/metadata/properties"/>
-    <ds:schemaRef ds:uri="af12d3ca-d309-4d9b-872e-f669d895b06e"/>
-    <ds:schemaRef ds:uri="6354f033-77ec-451f-a4b1-89785309665d"/>
-    <ds:schemaRef ds:uri="http://schemas.microsoft.com/office/2006/documentManagement/types"/>
-    <ds:schemaRef ds:uri="http://schemas.microsoft.com/office/infopath/2007/PartnerControls"/>
-    <ds:schemaRef ds:uri="http://schemas.openxmlformats.org/package/2006/metadata/core-properties"/>
-    <ds:schemaRef ds:uri="http://purl.org/dc/elements/1.1/"/>
-    <ds:schemaRef ds:uri="http://purl.org/dc/terms/"/>
-    <ds:schemaRef ds:uri="http://schemas.microsoft.com/internal/obd"/>
+    <ds:schemaRef ds:uri="http://schemas.microsoft.com/sharepoint/v3/contenttype/forms"/>
   </ds:schemaRefs>
 </ds:datastoreItem>
 </file>